--- a/fsa_0829.pptx
+++ b/fsa_0829.pptx
@@ -5,48 +5,49 @@
     <p:sldMasterId id="2147483648" r:id="rId1"/>
   </p:sldMasterIdLst>
   <p:notesMasterIdLst>
-    <p:notesMasterId r:id="rId41"/>
+    <p:notesMasterId r:id="rId42"/>
   </p:notesMasterIdLst>
   <p:sldIdLst>
     <p:sldId id="257" r:id="rId2"/>
-    <p:sldId id="294" r:id="rId3"/>
-    <p:sldId id="295" r:id="rId4"/>
-    <p:sldId id="296" r:id="rId5"/>
-    <p:sldId id="297" r:id="rId6"/>
-    <p:sldId id="298" r:id="rId7"/>
-    <p:sldId id="299" r:id="rId8"/>
-    <p:sldId id="322" r:id="rId9"/>
-    <p:sldId id="300" r:id="rId10"/>
-    <p:sldId id="333" r:id="rId11"/>
-    <p:sldId id="301" r:id="rId12"/>
-    <p:sldId id="304" r:id="rId13"/>
-    <p:sldId id="305" r:id="rId14"/>
-    <p:sldId id="306" r:id="rId15"/>
-    <p:sldId id="307" r:id="rId16"/>
-    <p:sldId id="308" r:id="rId17"/>
-    <p:sldId id="309" r:id="rId18"/>
-    <p:sldId id="335" r:id="rId19"/>
-    <p:sldId id="323" r:id="rId20"/>
-    <p:sldId id="324" r:id="rId21"/>
-    <p:sldId id="325" r:id="rId22"/>
-    <p:sldId id="315" r:id="rId23"/>
-    <p:sldId id="326" r:id="rId24"/>
-    <p:sldId id="327" r:id="rId25"/>
-    <p:sldId id="311" r:id="rId26"/>
-    <p:sldId id="312" r:id="rId27"/>
-    <p:sldId id="313" r:id="rId28"/>
-    <p:sldId id="314" r:id="rId29"/>
-    <p:sldId id="316" r:id="rId30"/>
-    <p:sldId id="318" r:id="rId31"/>
-    <p:sldId id="319" r:id="rId32"/>
-    <p:sldId id="320" r:id="rId33"/>
-    <p:sldId id="328" r:id="rId34"/>
-    <p:sldId id="329" r:id="rId35"/>
-    <p:sldId id="334" r:id="rId36"/>
-    <p:sldId id="331" r:id="rId37"/>
-    <p:sldId id="336" r:id="rId38"/>
-    <p:sldId id="337" r:id="rId39"/>
-    <p:sldId id="338" r:id="rId40"/>
+    <p:sldId id="339" r:id="rId3"/>
+    <p:sldId id="294" r:id="rId4"/>
+    <p:sldId id="295" r:id="rId5"/>
+    <p:sldId id="296" r:id="rId6"/>
+    <p:sldId id="297" r:id="rId7"/>
+    <p:sldId id="298" r:id="rId8"/>
+    <p:sldId id="299" r:id="rId9"/>
+    <p:sldId id="322" r:id="rId10"/>
+    <p:sldId id="300" r:id="rId11"/>
+    <p:sldId id="333" r:id="rId12"/>
+    <p:sldId id="301" r:id="rId13"/>
+    <p:sldId id="304" r:id="rId14"/>
+    <p:sldId id="305" r:id="rId15"/>
+    <p:sldId id="306" r:id="rId16"/>
+    <p:sldId id="307" r:id="rId17"/>
+    <p:sldId id="308" r:id="rId18"/>
+    <p:sldId id="309" r:id="rId19"/>
+    <p:sldId id="335" r:id="rId20"/>
+    <p:sldId id="323" r:id="rId21"/>
+    <p:sldId id="324" r:id="rId22"/>
+    <p:sldId id="325" r:id="rId23"/>
+    <p:sldId id="315" r:id="rId24"/>
+    <p:sldId id="326" r:id="rId25"/>
+    <p:sldId id="327" r:id="rId26"/>
+    <p:sldId id="311" r:id="rId27"/>
+    <p:sldId id="312" r:id="rId28"/>
+    <p:sldId id="313" r:id="rId29"/>
+    <p:sldId id="314" r:id="rId30"/>
+    <p:sldId id="316" r:id="rId31"/>
+    <p:sldId id="318" r:id="rId32"/>
+    <p:sldId id="319" r:id="rId33"/>
+    <p:sldId id="320" r:id="rId34"/>
+    <p:sldId id="328" r:id="rId35"/>
+    <p:sldId id="329" r:id="rId36"/>
+    <p:sldId id="334" r:id="rId37"/>
+    <p:sldId id="331" r:id="rId38"/>
+    <p:sldId id="336" r:id="rId39"/>
+    <p:sldId id="337" r:id="rId40"/>
+    <p:sldId id="338" r:id="rId41"/>
   </p:sldIdLst>
   <p:sldSz cx="12192000" cy="6858000"/>
   <p:notesSz cx="6858000" cy="9144000"/>
@@ -246,7 +247,7 @@
           <a:p>
             <a:fld id="{1AE21E1C-C01A-6346-83A7-0C1D21DCC58E}" type="datetimeFigureOut">
               <a:rPr lang="en-US" smtClean="0"/>
-              <a:t>8/23/18</a:t>
+              <a:t>8/28/18</a:t>
             </a:fld>
             <a:endParaRPr lang="en-US"/>
           </a:p>
@@ -513,6 +514,283 @@
 </p:notesMaster>
 </file>
 
+<file path=ppt/notesSlides/notesSlide1.xml><?xml version="1.0" encoding="utf-8"?>
+<p:notes xmlns:a="http://schemas.openxmlformats.org/drawingml/2006/main" xmlns:r="http://schemas.openxmlformats.org/officeDocument/2006/relationships" xmlns:p="http://schemas.openxmlformats.org/presentationml/2006/main">
+  <p:cSld>
+    <p:spTree>
+      <p:nvGrpSpPr>
+        <p:cNvPr id="1" name=""/>
+        <p:cNvGrpSpPr/>
+        <p:nvPr/>
+      </p:nvGrpSpPr>
+      <p:grpSpPr>
+        <a:xfrm>
+          <a:off x="0" y="0"/>
+          <a:ext cx="0" cy="0"/>
+          <a:chOff x="0" y="0"/>
+          <a:chExt cx="0" cy="0"/>
+        </a:xfrm>
+      </p:grpSpPr>
+      <p:sp>
+        <p:nvSpPr>
+          <p:cNvPr id="2" name="Slide Image Placeholder 1"/>
+          <p:cNvSpPr>
+            <a:spLocks noGrp="1" noRot="1" noChangeAspect="1"/>
+          </p:cNvSpPr>
+          <p:nvPr>
+            <p:ph type="sldImg"/>
+          </p:nvPr>
+        </p:nvSpPr>
+        <p:spPr/>
+      </p:sp>
+      <p:sp>
+        <p:nvSpPr>
+          <p:cNvPr id="3" name="Notes Placeholder 2"/>
+          <p:cNvSpPr>
+            <a:spLocks noGrp="1"/>
+          </p:cNvSpPr>
+          <p:nvPr>
+            <p:ph type="body" idx="1"/>
+          </p:nvPr>
+        </p:nvSpPr>
+        <p:spPr/>
+        <p:txBody>
+          <a:bodyPr/>
+          <a:lstStyle/>
+          <a:p>
+            <a:r>
+              <a:rPr lang="en-US" dirty="0"/>
+              <a:t>Add compositional. Talk about bridge cases</a:t>
+            </a:r>
+          </a:p>
+        </p:txBody>
+      </p:sp>
+      <p:sp>
+        <p:nvSpPr>
+          <p:cNvPr id="4" name="Slide Number Placeholder 3"/>
+          <p:cNvSpPr>
+            <a:spLocks noGrp="1"/>
+          </p:cNvSpPr>
+          <p:nvPr>
+            <p:ph type="sldNum" sz="quarter" idx="5"/>
+          </p:nvPr>
+        </p:nvSpPr>
+        <p:spPr/>
+        <p:txBody>
+          <a:bodyPr/>
+          <a:lstStyle/>
+          <a:p>
+            <a:fld id="{0A611129-E28D-8147-9859-4F6069E871EE}" type="slidenum">
+              <a:rPr lang="en-US" smtClean="0"/>
+              <a:t>6</a:t>
+            </a:fld>
+            <a:endParaRPr lang="en-US"/>
+          </a:p>
+        </p:txBody>
+      </p:sp>
+    </p:spTree>
+    <p:extLst>
+      <p:ext uri="{BB962C8B-B14F-4D97-AF65-F5344CB8AC3E}">
+        <p14:creationId xmlns:p14="http://schemas.microsoft.com/office/powerpoint/2010/main" val="3862307449"/>
+      </p:ext>
+    </p:extLst>
+  </p:cSld>
+  <p:clrMapOvr>
+    <a:masterClrMapping/>
+  </p:clrMapOvr>
+</p:notes>
+</file>
+
+<file path=ppt/notesSlides/notesSlide2.xml><?xml version="1.0" encoding="utf-8"?>
+<p:notes xmlns:a="http://schemas.openxmlformats.org/drawingml/2006/main" xmlns:r="http://schemas.openxmlformats.org/officeDocument/2006/relationships" xmlns:p="http://schemas.openxmlformats.org/presentationml/2006/main">
+  <p:cSld>
+    <p:spTree>
+      <p:nvGrpSpPr>
+        <p:cNvPr id="1" name=""/>
+        <p:cNvGrpSpPr/>
+        <p:nvPr/>
+      </p:nvGrpSpPr>
+      <p:grpSpPr>
+        <a:xfrm>
+          <a:off x="0" y="0"/>
+          <a:ext cx="0" cy="0"/>
+          <a:chOff x="0" y="0"/>
+          <a:chExt cx="0" cy="0"/>
+        </a:xfrm>
+      </p:grpSpPr>
+      <p:sp>
+        <p:nvSpPr>
+          <p:cNvPr id="2" name="Slide Image Placeholder 1"/>
+          <p:cNvSpPr>
+            <a:spLocks noGrp="1" noRot="1" noChangeAspect="1"/>
+          </p:cNvSpPr>
+          <p:nvPr>
+            <p:ph type="sldImg"/>
+          </p:nvPr>
+        </p:nvSpPr>
+        <p:spPr/>
+      </p:sp>
+      <p:sp>
+        <p:nvSpPr>
+          <p:cNvPr id="3" name="Notes Placeholder 2"/>
+          <p:cNvSpPr>
+            <a:spLocks noGrp="1"/>
+          </p:cNvSpPr>
+          <p:nvPr>
+            <p:ph type="body" idx="1"/>
+          </p:nvPr>
+        </p:nvSpPr>
+        <p:spPr/>
+        <p:txBody>
+          <a:bodyPr/>
+          <a:lstStyle/>
+          <a:p>
+            <a:r>
+              <a:rPr lang="en-US" dirty="0"/>
+              <a:t>Example: staplers: root is staple, derivational affix is –</a:t>
+            </a:r>
+            <a:r>
+              <a:rPr lang="en-US" dirty="0" err="1"/>
+              <a:t>er</a:t>
+            </a:r>
+            <a:r>
+              <a:rPr lang="en-US" dirty="0"/>
+              <a:t> (thing that does the stapling), stem is stapler, inflectional affix is –s (plural)</a:t>
+            </a:r>
+          </a:p>
+        </p:txBody>
+      </p:sp>
+      <p:sp>
+        <p:nvSpPr>
+          <p:cNvPr id="4" name="Slide Number Placeholder 3"/>
+          <p:cNvSpPr>
+            <a:spLocks noGrp="1"/>
+          </p:cNvSpPr>
+          <p:nvPr>
+            <p:ph type="sldNum" sz="quarter" idx="5"/>
+          </p:nvPr>
+        </p:nvSpPr>
+        <p:spPr/>
+        <p:txBody>
+          <a:bodyPr/>
+          <a:lstStyle/>
+          <a:p>
+            <a:fld id="{0A611129-E28D-8147-9859-4F6069E871EE}" type="slidenum">
+              <a:rPr lang="en-US" smtClean="0"/>
+              <a:t>7</a:t>
+            </a:fld>
+            <a:endParaRPr lang="en-US"/>
+          </a:p>
+        </p:txBody>
+      </p:sp>
+    </p:spTree>
+    <p:extLst>
+      <p:ext uri="{BB962C8B-B14F-4D97-AF65-F5344CB8AC3E}">
+        <p14:creationId xmlns:p14="http://schemas.microsoft.com/office/powerpoint/2010/main" val="2897717368"/>
+      </p:ext>
+    </p:extLst>
+  </p:cSld>
+  <p:clrMapOvr>
+    <a:masterClrMapping/>
+  </p:clrMapOvr>
+</p:notes>
+</file>
+
+<file path=ppt/notesSlides/notesSlide3.xml><?xml version="1.0" encoding="utf-8"?>
+<p:notes xmlns:a="http://schemas.openxmlformats.org/drawingml/2006/main" xmlns:r="http://schemas.openxmlformats.org/officeDocument/2006/relationships" xmlns:p="http://schemas.openxmlformats.org/presentationml/2006/main">
+  <p:cSld>
+    <p:spTree>
+      <p:nvGrpSpPr>
+        <p:cNvPr id="1" name=""/>
+        <p:cNvGrpSpPr/>
+        <p:nvPr/>
+      </p:nvGrpSpPr>
+      <p:grpSpPr>
+        <a:xfrm>
+          <a:off x="0" y="0"/>
+          <a:ext cx="0" cy="0"/>
+          <a:chOff x="0" y="0"/>
+          <a:chExt cx="0" cy="0"/>
+        </a:xfrm>
+      </p:grpSpPr>
+      <p:sp>
+        <p:nvSpPr>
+          <p:cNvPr id="2" name="Slide Image Placeholder 1"/>
+          <p:cNvSpPr>
+            <a:spLocks noGrp="1" noRot="1" noChangeAspect="1"/>
+          </p:cNvSpPr>
+          <p:nvPr>
+            <p:ph type="sldImg"/>
+          </p:nvPr>
+        </p:nvSpPr>
+        <p:spPr/>
+      </p:sp>
+      <p:sp>
+        <p:nvSpPr>
+          <p:cNvPr id="3" name="Notes Placeholder 2"/>
+          <p:cNvSpPr>
+            <a:spLocks noGrp="1"/>
+          </p:cNvSpPr>
+          <p:nvPr>
+            <p:ph type="body" idx="1"/>
+          </p:nvPr>
+        </p:nvSpPr>
+        <p:spPr/>
+        <p:txBody>
+          <a:bodyPr/>
+          <a:lstStyle/>
+          <a:p>
+            <a:r>
+              <a:rPr lang="en-US" dirty="0"/>
+              <a:t>Also mention </a:t>
+            </a:r>
+            <a:r>
+              <a:rPr lang="en-US" dirty="0" err="1"/>
+              <a:t>simulfix</a:t>
+            </a:r>
+            <a:r>
+              <a:rPr lang="en-US" dirty="0"/>
+              <a:t> (man-&gt;men)</a:t>
+            </a:r>
+          </a:p>
+        </p:txBody>
+      </p:sp>
+      <p:sp>
+        <p:nvSpPr>
+          <p:cNvPr id="4" name="Slide Number Placeholder 3"/>
+          <p:cNvSpPr>
+            <a:spLocks noGrp="1"/>
+          </p:cNvSpPr>
+          <p:nvPr>
+            <p:ph type="sldNum" sz="quarter" idx="5"/>
+          </p:nvPr>
+        </p:nvSpPr>
+        <p:spPr/>
+        <p:txBody>
+          <a:bodyPr/>
+          <a:lstStyle/>
+          <a:p>
+            <a:fld id="{0A611129-E28D-8147-9859-4F6069E871EE}" type="slidenum">
+              <a:rPr lang="en-US" smtClean="0"/>
+              <a:t>9</a:t>
+            </a:fld>
+            <a:endParaRPr lang="en-US"/>
+          </a:p>
+        </p:txBody>
+      </p:sp>
+    </p:spTree>
+    <p:extLst>
+      <p:ext uri="{BB962C8B-B14F-4D97-AF65-F5344CB8AC3E}">
+        <p14:creationId xmlns:p14="http://schemas.microsoft.com/office/powerpoint/2010/main" val="4148778907"/>
+      </p:ext>
+    </p:extLst>
+  </p:cSld>
+  <p:clrMapOvr>
+    <a:masterClrMapping/>
+  </p:clrMapOvr>
+</p:notes>
+</file>
+
 <file path=ppt/slideLayouts/slideLayout1.xml><?xml version="1.0" encoding="utf-8"?>
 <p:sldLayout xmlns:a="http://schemas.openxmlformats.org/drawingml/2006/main" xmlns:r="http://schemas.openxmlformats.org/officeDocument/2006/relationships" xmlns:p="http://schemas.openxmlformats.org/presentationml/2006/main" type="title" preserve="1">
   <p:cSld name="Title Slide">
@@ -642,7 +920,7 @@
           <a:p>
             <a:fld id="{D8CA9957-3F9D-C341-B2AD-DEE308582882}" type="datetimeFigureOut">
               <a:rPr lang="en-US" smtClean="0"/>
-              <a:t>8/23/18</a:t>
+              <a:t>8/28/18</a:t>
             </a:fld>
             <a:endParaRPr lang="en-US"/>
           </a:p>
@@ -810,7 +1088,7 @@
           <a:p>
             <a:fld id="{D8CA9957-3F9D-C341-B2AD-DEE308582882}" type="datetimeFigureOut">
               <a:rPr lang="en-US" smtClean="0"/>
-              <a:t>8/23/18</a:t>
+              <a:t>8/28/18</a:t>
             </a:fld>
             <a:endParaRPr lang="en-US"/>
           </a:p>
@@ -988,7 +1266,7 @@
           <a:p>
             <a:fld id="{D8CA9957-3F9D-C341-B2AD-DEE308582882}" type="datetimeFigureOut">
               <a:rPr lang="en-US" smtClean="0"/>
-              <a:t>8/23/18</a:t>
+              <a:t>8/28/18</a:t>
             </a:fld>
             <a:endParaRPr lang="en-US"/>
           </a:p>
@@ -1156,7 +1434,7 @@
           <a:p>
             <a:fld id="{D8CA9957-3F9D-C341-B2AD-DEE308582882}" type="datetimeFigureOut">
               <a:rPr lang="en-US" smtClean="0"/>
-              <a:t>8/23/18</a:t>
+              <a:t>8/28/18</a:t>
             </a:fld>
             <a:endParaRPr lang="en-US"/>
           </a:p>
@@ -1401,7 +1679,7 @@
           <a:p>
             <a:fld id="{D8CA9957-3F9D-C341-B2AD-DEE308582882}" type="datetimeFigureOut">
               <a:rPr lang="en-US" smtClean="0"/>
-              <a:t>8/23/18</a:t>
+              <a:t>8/28/18</a:t>
             </a:fld>
             <a:endParaRPr lang="en-US"/>
           </a:p>
@@ -1630,7 +1908,7 @@
           <a:p>
             <a:fld id="{D8CA9957-3F9D-C341-B2AD-DEE308582882}" type="datetimeFigureOut">
               <a:rPr lang="en-US" smtClean="0"/>
-              <a:t>8/23/18</a:t>
+              <a:t>8/28/18</a:t>
             </a:fld>
             <a:endParaRPr lang="en-US"/>
           </a:p>
@@ -1994,7 +2272,7 @@
           <a:p>
             <a:fld id="{D8CA9957-3F9D-C341-B2AD-DEE308582882}" type="datetimeFigureOut">
               <a:rPr lang="en-US" smtClean="0"/>
-              <a:t>8/23/18</a:t>
+              <a:t>8/28/18</a:t>
             </a:fld>
             <a:endParaRPr lang="en-US"/>
           </a:p>
@@ -2111,7 +2389,7 @@
           <a:p>
             <a:fld id="{D8CA9957-3F9D-C341-B2AD-DEE308582882}" type="datetimeFigureOut">
               <a:rPr lang="en-US" smtClean="0"/>
-              <a:t>8/23/18</a:t>
+              <a:t>8/28/18</a:t>
             </a:fld>
             <a:endParaRPr lang="en-US"/>
           </a:p>
@@ -2206,7 +2484,7 @@
           <a:p>
             <a:fld id="{D8CA9957-3F9D-C341-B2AD-DEE308582882}" type="datetimeFigureOut">
               <a:rPr lang="en-US" smtClean="0"/>
-              <a:t>8/23/18</a:t>
+              <a:t>8/28/18</a:t>
             </a:fld>
             <a:endParaRPr lang="en-US"/>
           </a:p>
@@ -2481,7 +2759,7 @@
           <a:p>
             <a:fld id="{D8CA9957-3F9D-C341-B2AD-DEE308582882}" type="datetimeFigureOut">
               <a:rPr lang="en-US" smtClean="0"/>
-              <a:t>8/23/18</a:t>
+              <a:t>8/28/18</a:t>
             </a:fld>
             <a:endParaRPr lang="en-US"/>
           </a:p>
@@ -2733,7 +3011,7 @@
           <a:p>
             <a:fld id="{D8CA9957-3F9D-C341-B2AD-DEE308582882}" type="datetimeFigureOut">
               <a:rPr lang="en-US" smtClean="0"/>
-              <a:t>8/23/18</a:t>
+              <a:t>8/28/18</a:t>
             </a:fld>
             <a:endParaRPr lang="en-US"/>
           </a:p>
@@ -2944,7 +3222,7 @@
           <a:p>
             <a:fld id="{D8CA9957-3F9D-C341-B2AD-DEE308582882}" type="datetimeFigureOut">
               <a:rPr lang="en-US" smtClean="0"/>
-              <a:t>8/23/18</a:t>
+              <a:t>8/28/18</a:t>
             </a:fld>
             <a:endParaRPr lang="en-US"/>
           </a:p>
@@ -3366,7 +3644,7 @@
           <a:p>
             <a:r>
               <a:rPr lang="en-US" dirty="0"/>
-              <a:t>Lecture 3: Morphology and Finite-State Methods</a:t>
+              <a:t>Morphology and Finite-State Methods</a:t>
             </a:r>
           </a:p>
         </p:txBody>
@@ -3389,7 +3667,7 @@
         </p:spPr>
         <p:txBody>
           <a:bodyPr>
-            <a:normAutofit/>
+            <a:normAutofit fontScale="92500" lnSpcReduction="20000"/>
           </a:bodyPr>
           <a:lstStyle/>
           <a:p>
@@ -3409,13 +3687,33 @@
           <a:p>
             <a:r>
               <a:rPr lang="en-US" dirty="0"/>
-              <a:t>Jonathan May -- 梅約納</a:t>
-            </a:r>
-          </a:p>
-          <a:p>
-            <a:r>
-              <a:rPr lang="en-US" dirty="0"/>
-              <a:t>August 30, 2017</a:t>
+              <a:t>Jonathan May -- </a:t>
+            </a:r>
+            <a:r>
+              <a:rPr lang="en-US" dirty="0" err="1"/>
+              <a:t>梅約納</a:t>
+            </a:r>
+            <a:endParaRPr lang="en-US" dirty="0"/>
+          </a:p>
+          <a:p>
+            <a:r>
+              <a:rPr lang="en-US" dirty="0" err="1"/>
+              <a:t>Nanyun</a:t>
+            </a:r>
+            <a:r>
+              <a:rPr lang="en-US" dirty="0"/>
+              <a:t> (Violet) Peng -- </a:t>
+            </a:r>
+            <a:r>
+              <a:rPr lang="ja-JP" altLang="en-US"/>
+              <a:t>彭楠赟</a:t>
+            </a:r>
+            <a:endParaRPr lang="en-US" dirty="0"/>
+          </a:p>
+          <a:p>
+            <a:r>
+              <a:rPr lang="en-US" dirty="0"/>
+              <a:t>August 29, 2018</a:t>
             </a:r>
           </a:p>
         </p:txBody>
@@ -3463,6 +3761,60 @@
 </file>
 
 <file path=ppt/slides/slide10.xml><?xml version="1.0" encoding="utf-8"?>
+<p:sld xmlns:a="http://schemas.openxmlformats.org/drawingml/2006/main" xmlns:r="http://schemas.openxmlformats.org/officeDocument/2006/relationships" xmlns:p="http://schemas.openxmlformats.org/presentationml/2006/main">
+  <p:cSld>
+    <p:spTree>
+      <p:nvGrpSpPr>
+        <p:cNvPr id="1" name=""/>
+        <p:cNvGrpSpPr/>
+        <p:nvPr/>
+      </p:nvGrpSpPr>
+      <p:grpSpPr>
+        <a:xfrm>
+          <a:off x="0" y="0"/>
+          <a:ext cx="0" cy="0"/>
+          <a:chOff x="0" y="0"/>
+          <a:chExt cx="0" cy="0"/>
+        </a:xfrm>
+      </p:grpSpPr>
+      <p:pic>
+        <p:nvPicPr>
+          <p:cNvPr id="2" name="Picture 1"/>
+          <p:cNvPicPr>
+            <a:picLocks noChangeAspect="1"/>
+          </p:cNvPicPr>
+          <p:nvPr/>
+        </p:nvPicPr>
+        <p:blipFill>
+          <a:blip r:embed="rId2"/>
+          <a:stretch>
+            <a:fillRect/>
+          </a:stretch>
+        </p:blipFill>
+        <p:spPr>
+          <a:xfrm>
+            <a:off x="1710466" y="281789"/>
+            <a:ext cx="8078321" cy="6053177"/>
+          </a:xfrm>
+          <a:prstGeom prst="rect">
+            <a:avLst/>
+          </a:prstGeom>
+        </p:spPr>
+      </p:pic>
+    </p:spTree>
+    <p:extLst>
+      <p:ext uri="{BB962C8B-B14F-4D97-AF65-F5344CB8AC3E}">
+        <p14:creationId xmlns:p14="http://schemas.microsoft.com/office/powerpoint/2010/main" val="1056363505"/>
+      </p:ext>
+    </p:extLst>
+  </p:cSld>
+  <p:clrMapOvr>
+    <a:masterClrMapping/>
+  </p:clrMapOvr>
+</p:sld>
+</file>
+
+<file path=ppt/slides/slide11.xml><?xml version="1.0" encoding="utf-8"?>
 <p:sld xmlns:a="http://schemas.openxmlformats.org/drawingml/2006/main" xmlns:r="http://schemas.openxmlformats.org/officeDocument/2006/relationships" xmlns:p="http://schemas.openxmlformats.org/presentationml/2006/main">
   <p:cSld>
     <p:spTree>
@@ -3636,7 +3988,7 @@
 </p:sld>
 </file>
 
-<file path=ppt/slides/slide11.xml><?xml version="1.0" encoding="utf-8"?>
+<file path=ppt/slides/slide12.xml><?xml version="1.0" encoding="utf-8"?>
 <p:sld xmlns:a="http://schemas.openxmlformats.org/drawingml/2006/main" xmlns:r="http://schemas.openxmlformats.org/officeDocument/2006/relationships" xmlns:p="http://schemas.openxmlformats.org/presentationml/2006/main">
   <p:cSld>
     <p:spTree>
@@ -3707,7 +4059,7 @@
 </p:sld>
 </file>
 
-<file path=ppt/slides/slide12.xml><?xml version="1.0" encoding="utf-8"?>
+<file path=ppt/slides/slide13.xml><?xml version="1.0" encoding="utf-8"?>
 <p:sld xmlns:a="http://schemas.openxmlformats.org/drawingml/2006/main" xmlns:r="http://schemas.openxmlformats.org/officeDocument/2006/relationships" xmlns:p="http://schemas.openxmlformats.org/presentationml/2006/main">
   <p:cSld>
     <p:spTree>
@@ -3767,7 +4119,7 @@
 </p:sld>
 </file>
 
-<file path=ppt/slides/slide13.xml><?xml version="1.0" encoding="utf-8"?>
+<file path=ppt/slides/slide14.xml><?xml version="1.0" encoding="utf-8"?>
 <p:sld xmlns:a="http://schemas.openxmlformats.org/drawingml/2006/main" xmlns:r="http://schemas.openxmlformats.org/officeDocument/2006/relationships" xmlns:p="http://schemas.openxmlformats.org/presentationml/2006/main">
   <p:cSld>
     <p:spTree>
@@ -3899,7 +4251,7 @@
 </p:sld>
 </file>
 
-<file path=ppt/slides/slide14.xml><?xml version="1.0" encoding="utf-8"?>
+<file path=ppt/slides/slide15.xml><?xml version="1.0" encoding="utf-8"?>
 <p:sld xmlns:a="http://schemas.openxmlformats.org/drawingml/2006/main" xmlns:r="http://schemas.openxmlformats.org/officeDocument/2006/relationships" xmlns:p="http://schemas.openxmlformats.org/presentationml/2006/main">
   <p:cSld>
     <p:spTree>
@@ -3959,7 +4311,7 @@
 </p:sld>
 </file>
 
-<file path=ppt/slides/slide15.xml><?xml version="1.0" encoding="utf-8"?>
+<file path=ppt/slides/slide16.xml><?xml version="1.0" encoding="utf-8"?>
 <p:sld xmlns:a="http://schemas.openxmlformats.org/drawingml/2006/main" xmlns:r="http://schemas.openxmlformats.org/officeDocument/2006/relationships" xmlns:p="http://schemas.openxmlformats.org/presentationml/2006/main">
   <p:cSld>
     <p:spTree>
@@ -4019,7 +4371,7 @@
 </p:sld>
 </file>
 
-<file path=ppt/slides/slide16.xml><?xml version="1.0" encoding="utf-8"?>
+<file path=ppt/slides/slide17.xml><?xml version="1.0" encoding="utf-8"?>
 <p:sld xmlns:a="http://schemas.openxmlformats.org/drawingml/2006/main" xmlns:r="http://schemas.openxmlformats.org/officeDocument/2006/relationships" xmlns:p="http://schemas.openxmlformats.org/presentationml/2006/main">
   <p:cSld>
     <p:spTree>
@@ -4079,7 +4431,7 @@
 </p:sld>
 </file>
 
-<file path=ppt/slides/slide17.xml><?xml version="1.0" encoding="utf-8"?>
+<file path=ppt/slides/slide18.xml><?xml version="1.0" encoding="utf-8"?>
 <p:sld xmlns:a="http://schemas.openxmlformats.org/drawingml/2006/main" xmlns:r="http://schemas.openxmlformats.org/officeDocument/2006/relationships" xmlns:p="http://schemas.openxmlformats.org/presentationml/2006/main">
   <p:cSld>
     <p:spTree>
@@ -4174,7 +4526,7 @@
 </p:sld>
 </file>
 
-<file path=ppt/slides/slide18.xml><?xml version="1.0" encoding="utf-8"?>
+<file path=ppt/slides/slide19.xml><?xml version="1.0" encoding="utf-8"?>
 <p:sld xmlns:a="http://schemas.openxmlformats.org/drawingml/2006/main" xmlns:r="http://schemas.openxmlformats.org/officeDocument/2006/relationships" xmlns:p="http://schemas.openxmlformats.org/presentationml/2006/main">
   <p:cSld>
     <p:spTree>
@@ -4507,7 +4859,115 @@
 </p:sld>
 </file>
 
-<file path=ppt/slides/slide19.xml><?xml version="1.0" encoding="utf-8"?>
+<file path=ppt/slides/slide2.xml><?xml version="1.0" encoding="utf-8"?>
+<p:sld xmlns:a="http://schemas.openxmlformats.org/drawingml/2006/main" xmlns:r="http://schemas.openxmlformats.org/officeDocument/2006/relationships" xmlns:p="http://schemas.openxmlformats.org/presentationml/2006/main">
+  <p:cSld>
+    <p:spTree>
+      <p:nvGrpSpPr>
+        <p:cNvPr id="1" name=""/>
+        <p:cNvGrpSpPr/>
+        <p:nvPr/>
+      </p:nvGrpSpPr>
+      <p:grpSpPr>
+        <a:xfrm>
+          <a:off x="0" y="0"/>
+          <a:ext cx="0" cy="0"/>
+          <a:chOff x="0" y="0"/>
+          <a:chExt cx="0" cy="0"/>
+        </a:xfrm>
+      </p:grpSpPr>
+      <p:sp>
+        <p:nvSpPr>
+          <p:cNvPr id="2" name="Title 1">
+            <a:extLst>
+              <a:ext uri="{FF2B5EF4-FFF2-40B4-BE49-F238E27FC236}">
+                <a16:creationId xmlns:a16="http://schemas.microsoft.com/office/drawing/2014/main" id="{2D6392C4-9489-A14E-8458-2BEFC03B79B1}"/>
+              </a:ext>
+            </a:extLst>
+          </p:cNvPr>
+          <p:cNvSpPr>
+            <a:spLocks noGrp="1"/>
+          </p:cNvSpPr>
+          <p:nvPr>
+            <p:ph type="title"/>
+          </p:nvPr>
+        </p:nvSpPr>
+        <p:spPr/>
+        <p:txBody>
+          <a:bodyPr/>
+          <a:lstStyle/>
+          <a:p>
+            <a:r>
+              <a:rPr lang="en-US" dirty="0"/>
+              <a:t>Quizzes!	</a:t>
+            </a:r>
+          </a:p>
+        </p:txBody>
+      </p:sp>
+      <p:sp>
+        <p:nvSpPr>
+          <p:cNvPr id="3" name="Content Placeholder 2">
+            <a:extLst>
+              <a:ext uri="{FF2B5EF4-FFF2-40B4-BE49-F238E27FC236}">
+                <a16:creationId xmlns:a16="http://schemas.microsoft.com/office/drawing/2014/main" id="{951D3C47-F41F-A64D-8F20-D24C2AD5C2D0}"/>
+              </a:ext>
+            </a:extLst>
+          </p:cNvPr>
+          <p:cNvSpPr>
+            <a:spLocks noGrp="1"/>
+          </p:cNvSpPr>
+          <p:nvPr>
+            <p:ph idx="1"/>
+          </p:nvPr>
+        </p:nvSpPr>
+        <p:spPr/>
+        <p:txBody>
+          <a:bodyPr/>
+          <a:lstStyle/>
+          <a:p>
+            <a:r>
+              <a:rPr lang="en-US" dirty="0"/>
+              <a:t>Make sure to complete the 'acknowledgements quiz'</a:t>
+            </a:r>
+          </a:p>
+          <a:p>
+            <a:r>
+              <a:rPr lang="en-US" dirty="0"/>
+              <a:t>Because of some confusion, 8/24 quiz is open and you can retake it</a:t>
+            </a:r>
+          </a:p>
+          <a:p>
+            <a:r>
+              <a:rPr lang="en-US" dirty="0"/>
+              <a:t>8/29 quiz goes up today at 9am; due within 24 hours</a:t>
+            </a:r>
+          </a:p>
+          <a:p>
+            <a:r>
+              <a:rPr lang="en-US" dirty="0"/>
+              <a:t>An 8/31 quiz goes up 9am </a:t>
+            </a:r>
+            <a:r>
+              <a:rPr lang="en-US"/>
+              <a:t>friday</a:t>
+            </a:r>
+          </a:p>
+        </p:txBody>
+      </p:sp>
+    </p:spTree>
+    <p:extLst>
+      <p:ext uri="{BB962C8B-B14F-4D97-AF65-F5344CB8AC3E}">
+        <p14:creationId xmlns:p14="http://schemas.microsoft.com/office/powerpoint/2010/main" val="577426899"/>
+      </p:ext>
+    </p:extLst>
+  </p:cSld>
+  <p:clrMapOvr>
+    <a:masterClrMapping/>
+  </p:clrMapOvr>
+</p:sld>
+</file>
+
+<file path=ppt/slides/slide20.xml><?xml version="1.0" encoding="utf-8"?>
 <p:sld xmlns:a="http://schemas.openxmlformats.org/drawingml/2006/main" xmlns:r="http://schemas.openxmlformats.org/officeDocument/2006/relationships" xmlns:p="http://schemas.openxmlformats.org/presentationml/2006/main">
   <p:cSld>
     <p:spTree>
@@ -5085,7 +5545,7 @@
 </p:sld>
 </file>
 
-<file path=ppt/slides/slide2.xml><?xml version="1.0" encoding="utf-8"?>
+<file path=ppt/slides/slide21.xml><?xml version="1.0" encoding="utf-8"?>
 <p:sld xmlns:a="http://schemas.openxmlformats.org/drawingml/2006/main" xmlns:r="http://schemas.openxmlformats.org/officeDocument/2006/relationships" xmlns:p="http://schemas.openxmlformats.org/presentationml/2006/main">
   <p:cSld>
     <p:spTree>
@@ -5102,60 +5562,6 @@
           <a:chExt cx="0" cy="0"/>
         </a:xfrm>
       </p:grpSpPr>
-      <p:pic>
-        <p:nvPicPr>
-          <p:cNvPr id="2" name="Picture 1"/>
-          <p:cNvPicPr>
-            <a:picLocks noChangeAspect="1"/>
-          </p:cNvPicPr>
-          <p:nvPr/>
-        </p:nvPicPr>
-        <p:blipFill>
-          <a:blip r:embed="rId2"/>
-          <a:stretch>
-            <a:fillRect/>
-          </a:stretch>
-        </p:blipFill>
-        <p:spPr>
-          <a:xfrm>
-            <a:off x="2226833" y="174214"/>
-            <a:ext cx="8035290" cy="6020934"/>
-          </a:xfrm>
-          <a:prstGeom prst="rect">
-            <a:avLst/>
-          </a:prstGeom>
-        </p:spPr>
-      </p:pic>
-    </p:spTree>
-    <p:extLst>
-      <p:ext uri="{BB962C8B-B14F-4D97-AF65-F5344CB8AC3E}">
-        <p14:creationId xmlns:p14="http://schemas.microsoft.com/office/powerpoint/2010/main" val="1969653362"/>
-      </p:ext>
-    </p:extLst>
-  </p:cSld>
-  <p:clrMapOvr>
-    <a:masterClrMapping/>
-  </p:clrMapOvr>
-</p:sld>
-</file>
-
-<file path=ppt/slides/slide20.xml><?xml version="1.0" encoding="utf-8"?>
-<p:sld xmlns:a="http://schemas.openxmlformats.org/drawingml/2006/main" xmlns:r="http://schemas.openxmlformats.org/officeDocument/2006/relationships" xmlns:p="http://schemas.openxmlformats.org/presentationml/2006/main">
-  <p:cSld>
-    <p:spTree>
-      <p:nvGrpSpPr>
-        <p:cNvPr id="1" name=""/>
-        <p:cNvGrpSpPr/>
-        <p:nvPr/>
-      </p:nvGrpSpPr>
-      <p:grpSpPr>
-        <a:xfrm>
-          <a:off x="0" y="0"/>
-          <a:ext cx="0" cy="0"/>
-          <a:chOff x="0" y="0"/>
-          <a:chExt cx="0" cy="0"/>
-        </a:xfrm>
-      </p:grpSpPr>
       <p:sp>
         <p:nvSpPr>
           <p:cNvPr id="2" name="Title 1"/>
@@ -5288,7 +5694,7 @@
 </p:sld>
 </file>
 
-<file path=ppt/slides/slide21.xml><?xml version="1.0" encoding="utf-8"?>
+<file path=ppt/slides/slide22.xml><?xml version="1.0" encoding="utf-8"?>
 <p:sld xmlns:a="http://schemas.openxmlformats.org/drawingml/2006/main" xmlns:r="http://schemas.openxmlformats.org/officeDocument/2006/relationships" xmlns:p="http://schemas.openxmlformats.org/presentationml/2006/main">
   <p:cSld>
     <p:spTree>
@@ -5755,7 +6161,7 @@
 </p:sld>
 </file>
 
-<file path=ppt/slides/slide22.xml><?xml version="1.0" encoding="utf-8"?>
+<file path=ppt/slides/slide23.xml><?xml version="1.0" encoding="utf-8"?>
 <p:sld xmlns:a="http://schemas.openxmlformats.org/drawingml/2006/main" xmlns:r="http://schemas.openxmlformats.org/officeDocument/2006/relationships" xmlns:p="http://schemas.openxmlformats.org/presentationml/2006/main">
   <p:cSld>
     <p:spTree>
@@ -5861,7 +6267,7 @@
 </p:sld>
 </file>
 
-<file path=ppt/slides/slide23.xml><?xml version="1.0" encoding="utf-8"?>
+<file path=ppt/slides/slide24.xml><?xml version="1.0" encoding="utf-8"?>
 <p:sld xmlns:a="http://schemas.openxmlformats.org/drawingml/2006/main" xmlns:r="http://schemas.openxmlformats.org/officeDocument/2006/relationships" xmlns:p="http://schemas.openxmlformats.org/presentationml/2006/main">
   <p:cSld>
     <p:spTree>
@@ -6172,7 +6578,7 @@
 </p:sld>
 </file>
 
-<file path=ppt/slides/slide24.xml><?xml version="1.0" encoding="utf-8"?>
+<file path=ppt/slides/slide25.xml><?xml version="1.0" encoding="utf-8"?>
 <p:sld xmlns:a="http://schemas.openxmlformats.org/drawingml/2006/main" xmlns:r="http://schemas.openxmlformats.org/officeDocument/2006/relationships" xmlns:p="http://schemas.openxmlformats.org/presentationml/2006/main">
   <p:cSld>
     <p:spTree>
@@ -6404,6 +6810,33 @@
                                   </p:childTnLst>
                                 </p:cTn>
                               </p:par>
+                              <p:par>
+                                <p:cTn id="7" presetID="1" presetClass="entr" presetSubtype="0" fill="hold" nodeType="withEffect">
+                                  <p:stCondLst>
+                                    <p:cond delay="0"/>
+                                  </p:stCondLst>
+                                  <p:childTnLst>
+                                    <p:set>
+                                      <p:cBhvr>
+                                        <p:cTn id="8" dur="1" fill="hold">
+                                          <p:stCondLst>
+                                            <p:cond delay="0"/>
+                                          </p:stCondLst>
+                                        </p:cTn>
+                                        <p:tgtEl>
+                                          <p:spTgt spid="5"/>
+                                        </p:tgtEl>
+                                        <p:attrNameLst>
+                                          <p:attrName>style.visibility</p:attrName>
+                                        </p:attrNameLst>
+                                      </p:cBhvr>
+                                      <p:to>
+                                        <p:strVal val="visible"/>
+                                      </p:to>
+                                    </p:set>
+                                  </p:childTnLst>
+                                </p:cTn>
+                              </p:par>
                             </p:childTnLst>
                           </p:cTn>
                         </p:par>
@@ -6438,7 +6871,7 @@
 </p:sld>
 </file>
 
-<file path=ppt/slides/slide25.xml><?xml version="1.0" encoding="utf-8"?>
+<file path=ppt/slides/slide26.xml><?xml version="1.0" encoding="utf-8"?>
 <p:sld xmlns:a="http://schemas.openxmlformats.org/drawingml/2006/main" xmlns:r="http://schemas.openxmlformats.org/officeDocument/2006/relationships" xmlns:p="http://schemas.openxmlformats.org/presentationml/2006/main">
   <p:cSld>
     <p:spTree>
@@ -6498,7 +6931,7 @@
 </p:sld>
 </file>
 
-<file path=ppt/slides/slide26.xml><?xml version="1.0" encoding="utf-8"?>
+<file path=ppt/slides/slide27.xml><?xml version="1.0" encoding="utf-8"?>
 <p:sld xmlns:a="http://schemas.openxmlformats.org/drawingml/2006/main" xmlns:r="http://schemas.openxmlformats.org/officeDocument/2006/relationships" xmlns:p="http://schemas.openxmlformats.org/presentationml/2006/main">
   <p:cSld>
     <p:spTree>
@@ -6558,7 +6991,7 @@
 </p:sld>
 </file>
 
-<file path=ppt/slides/slide27.xml><?xml version="1.0" encoding="utf-8"?>
+<file path=ppt/slides/slide28.xml><?xml version="1.0" encoding="utf-8"?>
 <p:sld xmlns:a="http://schemas.openxmlformats.org/drawingml/2006/main" xmlns:r="http://schemas.openxmlformats.org/officeDocument/2006/relationships" xmlns:p="http://schemas.openxmlformats.org/presentationml/2006/main">
   <p:cSld>
     <p:spTree>
@@ -6733,7 +7166,7 @@
 </p:sld>
 </file>
 
-<file path=ppt/slides/slide28.xml><?xml version="1.0" encoding="utf-8"?>
+<file path=ppt/slides/slide29.xml><?xml version="1.0" encoding="utf-8"?>
 <p:sld xmlns:a="http://schemas.openxmlformats.org/drawingml/2006/main" xmlns:r="http://schemas.openxmlformats.org/officeDocument/2006/relationships" xmlns:p="http://schemas.openxmlformats.org/presentationml/2006/main">
   <p:cSld>
     <p:spTree>
@@ -7059,7 +7492,61 @@
 </p:sld>
 </file>
 
-<file path=ppt/slides/slide29.xml><?xml version="1.0" encoding="utf-8"?>
+<file path=ppt/slides/slide3.xml><?xml version="1.0" encoding="utf-8"?>
+<p:sld xmlns:a="http://schemas.openxmlformats.org/drawingml/2006/main" xmlns:r="http://schemas.openxmlformats.org/officeDocument/2006/relationships" xmlns:p="http://schemas.openxmlformats.org/presentationml/2006/main">
+  <p:cSld>
+    <p:spTree>
+      <p:nvGrpSpPr>
+        <p:cNvPr id="1" name=""/>
+        <p:cNvGrpSpPr/>
+        <p:nvPr/>
+      </p:nvGrpSpPr>
+      <p:grpSpPr>
+        <a:xfrm>
+          <a:off x="0" y="0"/>
+          <a:ext cx="0" cy="0"/>
+          <a:chOff x="0" y="0"/>
+          <a:chExt cx="0" cy="0"/>
+        </a:xfrm>
+      </p:grpSpPr>
+      <p:pic>
+        <p:nvPicPr>
+          <p:cNvPr id="2" name="Picture 1"/>
+          <p:cNvPicPr>
+            <a:picLocks noChangeAspect="1"/>
+          </p:cNvPicPr>
+          <p:nvPr/>
+        </p:nvPicPr>
+        <p:blipFill>
+          <a:blip r:embed="rId2"/>
+          <a:stretch>
+            <a:fillRect/>
+          </a:stretch>
+        </p:blipFill>
+        <p:spPr>
+          <a:xfrm>
+            <a:off x="2226833" y="174214"/>
+            <a:ext cx="8035290" cy="6020934"/>
+          </a:xfrm>
+          <a:prstGeom prst="rect">
+            <a:avLst/>
+          </a:prstGeom>
+        </p:spPr>
+      </p:pic>
+    </p:spTree>
+    <p:extLst>
+      <p:ext uri="{BB962C8B-B14F-4D97-AF65-F5344CB8AC3E}">
+        <p14:creationId xmlns:p14="http://schemas.microsoft.com/office/powerpoint/2010/main" val="1969653362"/>
+      </p:ext>
+    </p:extLst>
+  </p:cSld>
+  <p:clrMapOvr>
+    <a:masterClrMapping/>
+  </p:clrMapOvr>
+</p:sld>
+</file>
+
+<file path=ppt/slides/slide30.xml><?xml version="1.0" encoding="utf-8"?>
 <p:sld xmlns:a="http://schemas.openxmlformats.org/drawingml/2006/main" xmlns:r="http://schemas.openxmlformats.org/officeDocument/2006/relationships" xmlns:p="http://schemas.openxmlformats.org/presentationml/2006/main">
   <p:cSld>
     <p:spTree>
@@ -7692,67 +8179,7 @@
 </p:sld>
 </file>
 
-<file path=ppt/slides/slide3.xml><?xml version="1.0" encoding="utf-8"?>
-<p:sld xmlns:a="http://schemas.openxmlformats.org/drawingml/2006/main" xmlns:r="http://schemas.openxmlformats.org/officeDocument/2006/relationships" xmlns:p="http://schemas.openxmlformats.org/presentationml/2006/main">
-  <p:cSld>
-    <p:spTree>
-      <p:nvGrpSpPr>
-        <p:cNvPr id="1" name=""/>
-        <p:cNvGrpSpPr/>
-        <p:nvPr/>
-      </p:nvGrpSpPr>
-      <p:grpSpPr>
-        <a:xfrm>
-          <a:off x="0" y="0"/>
-          <a:ext cx="0" cy="0"/>
-          <a:chOff x="0" y="0"/>
-          <a:chExt cx="0" cy="0"/>
-        </a:xfrm>
-      </p:grpSpPr>
-      <p:pic>
-        <p:nvPicPr>
-          <p:cNvPr id="2" name="Picture 1"/>
-          <p:cNvPicPr>
-            <a:picLocks noChangeAspect="1"/>
-          </p:cNvPicPr>
-          <p:nvPr/>
-        </p:nvPicPr>
-        <p:blipFill>
-          <a:blip r:embed="rId2">
-            <a:extLst>
-              <a:ext uri="{28A0092B-C50C-407E-A947-70E740481C1C}">
-                <a14:useLocalDpi xmlns:a14="http://schemas.microsoft.com/office/drawing/2010/main" val="0"/>
-              </a:ext>
-            </a:extLst>
-          </a:blip>
-          <a:stretch>
-            <a:fillRect/>
-          </a:stretch>
-        </p:blipFill>
-        <p:spPr>
-          <a:xfrm>
-            <a:off x="2248349" y="281790"/>
-            <a:ext cx="7964394" cy="5967810"/>
-          </a:xfrm>
-          <a:prstGeom prst="rect">
-            <a:avLst/>
-          </a:prstGeom>
-        </p:spPr>
-      </p:pic>
-    </p:spTree>
-    <p:extLst>
-      <p:ext uri="{BB962C8B-B14F-4D97-AF65-F5344CB8AC3E}">
-        <p14:creationId xmlns:p14="http://schemas.microsoft.com/office/powerpoint/2010/main" val="503636629"/>
-      </p:ext>
-    </p:extLst>
-  </p:cSld>
-  <p:clrMapOvr>
-    <a:masterClrMapping/>
-  </p:clrMapOvr>
-</p:sld>
-</file>
-
-<file path=ppt/slides/slide30.xml><?xml version="1.0" encoding="utf-8"?>
+<file path=ppt/slides/slide31.xml><?xml version="1.0" encoding="utf-8"?>
 <p:sld xmlns:a="http://schemas.openxmlformats.org/drawingml/2006/main" xmlns:r="http://schemas.openxmlformats.org/officeDocument/2006/relationships" xmlns:p="http://schemas.openxmlformats.org/presentationml/2006/main">
   <p:cSld>
     <p:spTree>
@@ -7812,7 +8239,7 @@
 </p:sld>
 </file>
 
-<file path=ppt/slides/slide31.xml><?xml version="1.0" encoding="utf-8"?>
+<file path=ppt/slides/slide32.xml><?xml version="1.0" encoding="utf-8"?>
 <p:sld xmlns:a="http://schemas.openxmlformats.org/drawingml/2006/main" xmlns:r="http://schemas.openxmlformats.org/officeDocument/2006/relationships" xmlns:p="http://schemas.openxmlformats.org/presentationml/2006/main">
   <p:cSld>
     <p:spTree>
@@ -7872,7 +8299,7 @@
 </p:sld>
 </file>
 
-<file path=ppt/slides/slide32.xml><?xml version="1.0" encoding="utf-8"?>
+<file path=ppt/slides/slide33.xml><?xml version="1.0" encoding="utf-8"?>
 <p:sld xmlns:a="http://schemas.openxmlformats.org/drawingml/2006/main" xmlns:r="http://schemas.openxmlformats.org/officeDocument/2006/relationships" xmlns:p="http://schemas.openxmlformats.org/presentationml/2006/main">
   <p:cSld>
     <p:spTree>
@@ -7943,7 +8370,7 @@
 </p:sld>
 </file>
 
-<file path=ppt/slides/slide33.xml><?xml version="1.0" encoding="utf-8"?>
+<file path=ppt/slides/slide34.xml><?xml version="1.0" encoding="utf-8"?>
 <p:sld xmlns:a="http://schemas.openxmlformats.org/drawingml/2006/main" xmlns:r="http://schemas.openxmlformats.org/officeDocument/2006/relationships" xmlns:p="http://schemas.openxmlformats.org/presentationml/2006/main">
   <p:cSld>
     <p:spTree>
@@ -8003,7 +8430,7 @@
 </p:sld>
 </file>
 
-<file path=ppt/slides/slide34.xml><?xml version="1.0" encoding="utf-8"?>
+<file path=ppt/slides/slide35.xml><?xml version="1.0" encoding="utf-8"?>
 <p:sld xmlns:a="http://schemas.openxmlformats.org/drawingml/2006/main" xmlns:r="http://schemas.openxmlformats.org/officeDocument/2006/relationships" xmlns:p="http://schemas.openxmlformats.org/presentationml/2006/main">
   <p:cSld>
     <p:spTree>
@@ -8090,7 +8517,7 @@
 </p:sld>
 </file>
 
-<file path=ppt/slides/slide35.xml><?xml version="1.0" encoding="utf-8"?>
+<file path=ppt/slides/slide36.xml><?xml version="1.0" encoding="utf-8"?>
 <p:sld xmlns:a="http://schemas.openxmlformats.org/drawingml/2006/main" xmlns:r="http://schemas.openxmlformats.org/officeDocument/2006/relationships" xmlns:p="http://schemas.openxmlformats.org/presentationml/2006/main">
   <p:cSld>
     <p:spTree>
@@ -8198,7 +8625,7 @@
 </p:sld>
 </file>
 
-<file path=ppt/slides/slide36.xml><?xml version="1.0" encoding="utf-8"?>
+<file path=ppt/slides/slide37.xml><?xml version="1.0" encoding="utf-8"?>
 <p:sld xmlns:a="http://schemas.openxmlformats.org/drawingml/2006/main" xmlns:r="http://schemas.openxmlformats.org/officeDocument/2006/relationships" xmlns:p="http://schemas.openxmlformats.org/presentationml/2006/main">
   <p:cSld>
     <p:spTree>
@@ -8581,7 +9008,7 @@
 </p:sld>
 </file>
 
-<file path=ppt/slides/slide37.xml><?xml version="1.0" encoding="utf-8"?>
+<file path=ppt/slides/slide38.xml><?xml version="1.0" encoding="utf-8"?>
 <p:sld xmlns:a="http://schemas.openxmlformats.org/drawingml/2006/main" xmlns:r="http://schemas.openxmlformats.org/officeDocument/2006/relationships" xmlns:p="http://schemas.openxmlformats.org/presentationml/2006/main">
   <p:cSld>
     <p:spTree>
@@ -8666,7 +9093,7 @@
 </p:sld>
 </file>
 
-<file path=ppt/slides/slide38.xml><?xml version="1.0" encoding="utf-8"?>
+<file path=ppt/slides/slide39.xml><?xml version="1.0" encoding="utf-8"?>
 <p:sld xmlns:a="http://schemas.openxmlformats.org/drawingml/2006/main" xmlns:r="http://schemas.openxmlformats.org/officeDocument/2006/relationships" xmlns:p="http://schemas.openxmlformats.org/presentationml/2006/main">
   <p:cSld>
     <p:spTree>
@@ -9159,7 +9586,7 @@
 </p:sld>
 </file>
 
-<file path=ppt/slides/slide39.xml><?xml version="1.0" encoding="utf-8"?>
+<file path=ppt/slides/slide4.xml><?xml version="1.0" encoding="utf-8"?>
 <p:sld xmlns:a="http://schemas.openxmlformats.org/drawingml/2006/main" xmlns:r="http://schemas.openxmlformats.org/officeDocument/2006/relationships" xmlns:p="http://schemas.openxmlformats.org/presentationml/2006/main">
   <p:cSld>
     <p:spTree>
@@ -9176,6 +9603,66 @@
           <a:chExt cx="0" cy="0"/>
         </a:xfrm>
       </p:grpSpPr>
+      <p:pic>
+        <p:nvPicPr>
+          <p:cNvPr id="2" name="Picture 1"/>
+          <p:cNvPicPr>
+            <a:picLocks noChangeAspect="1"/>
+          </p:cNvPicPr>
+          <p:nvPr/>
+        </p:nvPicPr>
+        <p:blipFill>
+          <a:blip r:embed="rId2">
+            <a:extLst>
+              <a:ext uri="{28A0092B-C50C-407E-A947-70E740481C1C}">
+                <a14:useLocalDpi xmlns:a14="http://schemas.microsoft.com/office/drawing/2010/main" val="0"/>
+              </a:ext>
+            </a:extLst>
+          </a:blip>
+          <a:stretch>
+            <a:fillRect/>
+          </a:stretch>
+        </p:blipFill>
+        <p:spPr>
+          <a:xfrm>
+            <a:off x="2248349" y="281790"/>
+            <a:ext cx="7964394" cy="5967810"/>
+          </a:xfrm>
+          <a:prstGeom prst="rect">
+            <a:avLst/>
+          </a:prstGeom>
+        </p:spPr>
+      </p:pic>
+    </p:spTree>
+    <p:extLst>
+      <p:ext uri="{BB962C8B-B14F-4D97-AF65-F5344CB8AC3E}">
+        <p14:creationId xmlns:p14="http://schemas.microsoft.com/office/powerpoint/2010/main" val="503636629"/>
+      </p:ext>
+    </p:extLst>
+  </p:cSld>
+  <p:clrMapOvr>
+    <a:masterClrMapping/>
+  </p:clrMapOvr>
+</p:sld>
+</file>
+
+<file path=ppt/slides/slide40.xml><?xml version="1.0" encoding="utf-8"?>
+<p:sld xmlns:a="http://schemas.openxmlformats.org/drawingml/2006/main" xmlns:r="http://schemas.openxmlformats.org/officeDocument/2006/relationships" xmlns:p="http://schemas.openxmlformats.org/presentationml/2006/main">
+  <p:cSld>
+    <p:spTree>
+      <p:nvGrpSpPr>
+        <p:cNvPr id="1" name=""/>
+        <p:cNvGrpSpPr/>
+        <p:nvPr/>
+      </p:nvGrpSpPr>
+      <p:grpSpPr>
+        <a:xfrm>
+          <a:off x="0" y="0"/>
+          <a:ext cx="0" cy="0"/>
+          <a:chOff x="0" y="0"/>
+          <a:chExt cx="0" cy="0"/>
+        </a:xfrm>
+      </p:grpSpPr>
       <p:sp>
         <p:nvSpPr>
           <p:cNvPr id="2" name="Title 1"/>
@@ -9316,7 +9803,7 @@
 </p:sld>
 </file>
 
-<file path=ppt/slides/slide4.xml><?xml version="1.0" encoding="utf-8"?>
+<file path=ppt/slides/slide5.xml><?xml version="1.0" encoding="utf-8"?>
 <p:sld xmlns:a="http://schemas.openxmlformats.org/drawingml/2006/main" xmlns:r="http://schemas.openxmlformats.org/officeDocument/2006/relationships" xmlns:p="http://schemas.openxmlformats.org/presentationml/2006/main">
   <p:cSld>
     <p:spTree>
@@ -9376,7 +9863,7 @@
 </p:sld>
 </file>
 
-<file path=ppt/slides/slide5.xml><?xml version="1.0" encoding="utf-8"?>
+<file path=ppt/slides/slide6.xml><?xml version="1.0" encoding="utf-8"?>
 <p:sld xmlns:a="http://schemas.openxmlformats.org/drawingml/2006/main" xmlns:r="http://schemas.openxmlformats.org/officeDocument/2006/relationships" xmlns:p="http://schemas.openxmlformats.org/presentationml/2006/main">
   <p:cSld>
     <p:spTree>
@@ -9402,7 +9889,7 @@
           <p:nvPr/>
         </p:nvPicPr>
         <p:blipFill>
-          <a:blip r:embed="rId2">
+          <a:blip r:embed="rId3">
             <a:extLst>
               <a:ext uri="{28A0092B-C50C-407E-A947-70E740481C1C}">
                 <a14:useLocalDpi xmlns:a14="http://schemas.microsoft.com/office/drawing/2010/main" val="0"/>
@@ -9436,7 +9923,7 @@
 </p:sld>
 </file>
 
-<file path=ppt/slides/slide6.xml><?xml version="1.0" encoding="utf-8"?>
+<file path=ppt/slides/slide7.xml><?xml version="1.0" encoding="utf-8"?>
 <p:sld xmlns:a="http://schemas.openxmlformats.org/drawingml/2006/main" xmlns:r="http://schemas.openxmlformats.org/officeDocument/2006/relationships" xmlns:p="http://schemas.openxmlformats.org/presentationml/2006/main">
   <p:cSld>
     <p:spTree>
@@ -9462,7 +9949,7 @@
           <p:nvPr/>
         </p:nvPicPr>
         <p:blipFill>
-          <a:blip r:embed="rId2"/>
+          <a:blip r:embed="rId3"/>
           <a:stretch>
             <a:fillRect/>
           </a:stretch>
@@ -9490,7 +9977,7 @@
 </p:sld>
 </file>
 
-<file path=ppt/slides/slide7.xml><?xml version="1.0" encoding="utf-8"?>
+<file path=ppt/slides/slide8.xml><?xml version="1.0" encoding="utf-8"?>
 <p:sld xmlns:a="http://schemas.openxmlformats.org/drawingml/2006/main" xmlns:r="http://schemas.openxmlformats.org/officeDocument/2006/relationships" xmlns:p="http://schemas.openxmlformats.org/presentationml/2006/main">
   <p:cSld>
     <p:spTree>
@@ -9544,60 +10031,6 @@
 </p:sld>
 </file>
 
-<file path=ppt/slides/slide8.xml><?xml version="1.0" encoding="utf-8"?>
-<p:sld xmlns:a="http://schemas.openxmlformats.org/drawingml/2006/main" xmlns:r="http://schemas.openxmlformats.org/officeDocument/2006/relationships" xmlns:p="http://schemas.openxmlformats.org/presentationml/2006/main">
-  <p:cSld>
-    <p:spTree>
-      <p:nvGrpSpPr>
-        <p:cNvPr id="1" name=""/>
-        <p:cNvGrpSpPr/>
-        <p:nvPr/>
-      </p:nvGrpSpPr>
-      <p:grpSpPr>
-        <a:xfrm>
-          <a:off x="0" y="0"/>
-          <a:ext cx="0" cy="0"/>
-          <a:chOff x="0" y="0"/>
-          <a:chExt cx="0" cy="0"/>
-        </a:xfrm>
-      </p:grpSpPr>
-      <p:pic>
-        <p:nvPicPr>
-          <p:cNvPr id="2" name="Picture 1"/>
-          <p:cNvPicPr>
-            <a:picLocks noChangeAspect="1"/>
-          </p:cNvPicPr>
-          <p:nvPr/>
-        </p:nvPicPr>
-        <p:blipFill>
-          <a:blip r:embed="rId2"/>
-          <a:stretch>
-            <a:fillRect/>
-          </a:stretch>
-        </p:blipFill>
-        <p:spPr>
-          <a:xfrm>
-            <a:off x="2118063" y="0"/>
-            <a:ext cx="8632264" cy="6755685"/>
-          </a:xfrm>
-          <a:prstGeom prst="rect">
-            <a:avLst/>
-          </a:prstGeom>
-        </p:spPr>
-      </p:pic>
-    </p:spTree>
-    <p:extLst>
-      <p:ext uri="{BB962C8B-B14F-4D97-AF65-F5344CB8AC3E}">
-        <p14:creationId xmlns:p14="http://schemas.microsoft.com/office/powerpoint/2010/main" val="1156623451"/>
-      </p:ext>
-    </p:extLst>
-  </p:cSld>
-  <p:clrMapOvr>
-    <a:masterClrMapping/>
-  </p:clrMapOvr>
-</p:sld>
-</file>
-
 <file path=ppt/slides/slide9.xml><?xml version="1.0" encoding="utf-8"?>
 <p:sld xmlns:a="http://schemas.openxmlformats.org/drawingml/2006/main" xmlns:r="http://schemas.openxmlformats.org/officeDocument/2006/relationships" xmlns:p="http://schemas.openxmlformats.org/presentationml/2006/main">
   <p:cSld>
@@ -9624,15 +10057,15 @@
           <p:nvPr/>
         </p:nvPicPr>
         <p:blipFill>
-          <a:blip r:embed="rId2"/>
+          <a:blip r:embed="rId3"/>
           <a:stretch>
             <a:fillRect/>
           </a:stretch>
         </p:blipFill>
         <p:spPr>
           <a:xfrm>
-            <a:off x="1710466" y="281789"/>
-            <a:ext cx="8078321" cy="6053177"/>
+            <a:off x="2118063" y="0"/>
+            <a:ext cx="8632264" cy="6755685"/>
           </a:xfrm>
           <a:prstGeom prst="rect">
             <a:avLst/>
@@ -9642,7 +10075,7 @@
     </p:spTree>
     <p:extLst>
       <p:ext uri="{BB962C8B-B14F-4D97-AF65-F5344CB8AC3E}">
-        <p14:creationId xmlns:p14="http://schemas.microsoft.com/office/powerpoint/2010/main" val="1056363505"/>
+        <p14:creationId xmlns:p14="http://schemas.microsoft.com/office/powerpoint/2010/main" val="1156623451"/>
       </p:ext>
     </p:extLst>
   </p:cSld>
